--- a/HRdataset 시각화 - 11조.pptx
+++ b/HRdataset 시각화 - 11조.pptx
@@ -37,14 +37,18 @@
   <p:notesSz cx="6858000" cy="9144000"/>
   <p:embeddedFontLst>
     <p:embeddedFont>
+      <p:font typeface="배찌체" panose="00000500000000000000" pitchFamily="2" charset="-127"/>
+      <p:regular r:id="rId27"/>
+    </p:embeddedFont>
+    <p:embeddedFont>
       <p:font typeface="맑은 고딕" panose="020B0503020000020004" pitchFamily="50" charset="-127"/>
-      <p:regular r:id="rId27"/>
-      <p:bold r:id="rId28"/>
+      <p:regular r:id="rId28"/>
+      <p:bold r:id="rId29"/>
     </p:embeddedFont>
     <p:embeddedFont>
       <p:font typeface="메이플스토리" panose="02000300000000000000" pitchFamily="2" charset="-127"/>
-      <p:regular r:id="rId29"/>
-      <p:bold r:id="rId30"/>
+      <p:regular r:id="rId30"/>
+      <p:bold r:id="rId31"/>
     </p:embeddedFont>
   </p:embeddedFontLst>
   <p:defaultTextStyle>
@@ -9346,6 +9350,190 @@
               </a:solidFill>
               <a:latin typeface="메이플스토리" panose="02000300000000000000" pitchFamily="2" charset="-127"/>
               <a:ea typeface="메이플스토리" panose="02000300000000000000" pitchFamily="2" charset="-127"/>
+            </a:endParaRPr>
+          </a:p>
+        </p:txBody>
+      </p:sp>
+      <p:sp>
+        <p:nvSpPr>
+          <p:cNvPr id="5" name="TextBox 4">
+            <a:extLst>
+              <a:ext uri="{FF2B5EF4-FFF2-40B4-BE49-F238E27FC236}">
+                <a16:creationId xmlns:a16="http://schemas.microsoft.com/office/drawing/2014/main" id="{3F09C925-AB1B-4077-A56C-0CBAAC06D0A2}"/>
+              </a:ext>
+            </a:extLst>
+          </p:cNvPr>
+          <p:cNvSpPr txBox="1"/>
+          <p:nvPr/>
+        </p:nvSpPr>
+        <p:spPr>
+          <a:xfrm>
+            <a:off x="553153" y="6052457"/>
+            <a:ext cx="8120584" cy="369332"/>
+          </a:xfrm>
+          <a:prstGeom prst="rect">
+            <a:avLst/>
+          </a:prstGeom>
+          <a:noFill/>
+        </p:spPr>
+        <p:txBody>
+          <a:bodyPr wrap="square" rtlCol="0">
+            <a:spAutoFit/>
+          </a:bodyPr>
+          <a:lstStyle/>
+          <a:p>
+            <a:r>
+              <a:rPr lang="ko-KR" altLang="en-US">
+                <a:latin typeface="배찌체" panose="00000500000000000000" pitchFamily="2" charset="-127"/>
+                <a:ea typeface="배찌체" panose="00000500000000000000" pitchFamily="2" charset="-127"/>
+                <a:hlinkClick r:id="rId2"/>
+              </a:rPr>
+              <a:t>프로젝트 </a:t>
+            </a:r>
+            <a:r>
+              <a:rPr lang="ko-KR" altLang="en-US" dirty="0">
+                <a:latin typeface="배찌체" panose="00000500000000000000" pitchFamily="2" charset="-127"/>
+                <a:ea typeface="배찌체" panose="00000500000000000000" pitchFamily="2" charset="-127"/>
+                <a:hlinkClick r:id="rId2"/>
+              </a:rPr>
+              <a:t>코드 주소 </a:t>
+            </a:r>
+            <a:r>
+              <a:rPr lang="en-US" altLang="ko-KR" dirty="0">
+                <a:latin typeface="배찌체" panose="00000500000000000000" pitchFamily="2" charset="-127"/>
+                <a:ea typeface="배찌체" panose="00000500000000000000" pitchFamily="2" charset="-127"/>
+                <a:hlinkClick r:id="rId2"/>
+              </a:rPr>
+              <a:t>: https://github.com/JxxHxxx/Ubion-Mini-Project-HR-Analysis</a:t>
+            </a:r>
+            <a:endParaRPr lang="ko-KR" altLang="en-US" dirty="0">
+              <a:latin typeface="배찌체" panose="00000500000000000000" pitchFamily="2" charset="-127"/>
+              <a:ea typeface="배찌체" panose="00000500000000000000" pitchFamily="2" charset="-127"/>
+            </a:endParaRPr>
+          </a:p>
+        </p:txBody>
+      </p:sp>
+      <p:sp>
+        <p:nvSpPr>
+          <p:cNvPr id="7" name="TextBox 6">
+            <a:extLst>
+              <a:ext uri="{FF2B5EF4-FFF2-40B4-BE49-F238E27FC236}">
+                <a16:creationId xmlns:a16="http://schemas.microsoft.com/office/drawing/2014/main" id="{1764CB96-DB10-4569-842A-35CC7A87D4F8}"/>
+              </a:ext>
+            </a:extLst>
+          </p:cNvPr>
+          <p:cNvSpPr txBox="1"/>
+          <p:nvPr/>
+        </p:nvSpPr>
+        <p:spPr>
+          <a:xfrm>
+            <a:off x="553153" y="4918012"/>
+            <a:ext cx="8120584" cy="923330"/>
+          </a:xfrm>
+          <a:prstGeom prst="rect">
+            <a:avLst/>
+          </a:prstGeom>
+          <a:noFill/>
+        </p:spPr>
+        <p:txBody>
+          <a:bodyPr wrap="square" rtlCol="0">
+            <a:spAutoFit/>
+          </a:bodyPr>
+          <a:lstStyle/>
+          <a:p>
+            <a:r>
+              <a:rPr lang="ko-KR" altLang="en-US" dirty="0">
+                <a:latin typeface="배찌체" panose="00000500000000000000" pitchFamily="2" charset="-127"/>
+                <a:ea typeface="배찌체" panose="00000500000000000000" pitchFamily="2" charset="-127"/>
+                <a:hlinkClick r:id="rId2"/>
+              </a:rPr>
+              <a:t>참여자 </a:t>
+            </a:r>
+            <a:r>
+              <a:rPr lang="en-US" altLang="ko-KR" dirty="0">
+                <a:latin typeface="배찌체" panose="00000500000000000000" pitchFamily="2" charset="-127"/>
+                <a:ea typeface="배찌체" panose="00000500000000000000" pitchFamily="2" charset="-127"/>
+                <a:hlinkClick r:id="rId2"/>
+              </a:rPr>
+              <a:t>:</a:t>
+            </a:r>
+            <a:r>
+              <a:rPr lang="ko-KR" altLang="en-US" dirty="0">
+                <a:latin typeface="배찌체" panose="00000500000000000000" pitchFamily="2" charset="-127"/>
+                <a:ea typeface="배찌체" panose="00000500000000000000" pitchFamily="2" charset="-127"/>
+              </a:rPr>
+              <a:t> 이재헌</a:t>
+            </a:r>
+            <a:r>
+              <a:rPr lang="en-US" altLang="ko-KR" dirty="0">
+                <a:latin typeface="배찌체" panose="00000500000000000000" pitchFamily="2" charset="-127"/>
+                <a:ea typeface="배찌체" panose="00000500000000000000" pitchFamily="2" charset="-127"/>
+              </a:rPr>
+              <a:t>(Topic 1,2)</a:t>
+            </a:r>
+          </a:p>
+          <a:p>
+            <a:r>
+              <a:rPr lang="en-US" altLang="ko-KR" dirty="0">
+                <a:latin typeface="배찌체" panose="00000500000000000000" pitchFamily="2" charset="-127"/>
+                <a:ea typeface="배찌체" panose="00000500000000000000" pitchFamily="2" charset="-127"/>
+              </a:rPr>
+              <a:t>                </a:t>
+            </a:r>
+            <a:r>
+              <a:rPr lang="ko-KR" altLang="en-US" dirty="0" err="1">
+                <a:latin typeface="배찌체" panose="00000500000000000000" pitchFamily="2" charset="-127"/>
+                <a:ea typeface="배찌체" panose="00000500000000000000" pitchFamily="2" charset="-127"/>
+              </a:rPr>
+              <a:t>채윤길</a:t>
+            </a:r>
+            <a:r>
+              <a:rPr lang="en-US" altLang="ko-KR" dirty="0">
+                <a:latin typeface="배찌체" panose="00000500000000000000" pitchFamily="2" charset="-127"/>
+                <a:ea typeface="배찌체" panose="00000500000000000000" pitchFamily="2" charset="-127"/>
+              </a:rPr>
+              <a:t>(Topic 3,4)</a:t>
+            </a:r>
+          </a:p>
+          <a:p>
+            <a:r>
+              <a:rPr lang="en-US" altLang="ko-KR" dirty="0">
+                <a:latin typeface="배찌체" panose="00000500000000000000" pitchFamily="2" charset="-127"/>
+                <a:ea typeface="배찌체" panose="00000500000000000000" pitchFamily="2" charset="-127"/>
+              </a:rPr>
+              <a:t>                </a:t>
+            </a:r>
+            <a:r>
+              <a:rPr lang="ko-KR" altLang="en-US" dirty="0">
+                <a:latin typeface="배찌체" panose="00000500000000000000" pitchFamily="2" charset="-127"/>
+                <a:ea typeface="배찌체" panose="00000500000000000000" pitchFamily="2" charset="-127"/>
+              </a:rPr>
+              <a:t>이주희</a:t>
+            </a:r>
+            <a:r>
+              <a:rPr lang="en-US" altLang="ko-KR" dirty="0">
+                <a:latin typeface="배찌체" panose="00000500000000000000" pitchFamily="2" charset="-127"/>
+                <a:ea typeface="배찌체" panose="00000500000000000000" pitchFamily="2" charset="-127"/>
+              </a:rPr>
+              <a:t>(Topic</a:t>
+            </a:r>
+            <a:r>
+              <a:rPr lang="ko-KR" altLang="en-US" dirty="0">
+                <a:latin typeface="배찌체" panose="00000500000000000000" pitchFamily="2" charset="-127"/>
+                <a:ea typeface="배찌체" panose="00000500000000000000" pitchFamily="2" charset="-127"/>
+              </a:rPr>
+              <a:t> </a:t>
+            </a:r>
+            <a:r>
+              <a:rPr lang="en-US" altLang="ko-KR" dirty="0">
+                <a:latin typeface="배찌체" panose="00000500000000000000" pitchFamily="2" charset="-127"/>
+                <a:ea typeface="배찌체" panose="00000500000000000000" pitchFamily="2" charset="-127"/>
+              </a:rPr>
+              <a:t>5,6)</a:t>
+            </a:r>
+            <a:endParaRPr lang="ko-KR" altLang="en-US" dirty="0">
+              <a:latin typeface="배찌체" panose="00000500000000000000" pitchFamily="2" charset="-127"/>
+              <a:ea typeface="배찌체" panose="00000500000000000000" pitchFamily="2" charset="-127"/>
             </a:endParaRPr>
           </a:p>
         </p:txBody>
